--- a/02 Spectral Imaging/Activity 2 - Spectral Imaging.pptx
+++ b/02 Spectral Imaging/Activity 2 - Spectral Imaging.pptx
@@ -5,13 +5,14 @@
     <p:sldMasterId id="2147483660" r:id="rId1"/>
   </p:sldMasterIdLst>
   <p:notesMasterIdLst>
-    <p:notesMasterId r:id="rId6"/>
+    <p:notesMasterId r:id="rId7"/>
   </p:notesMasterIdLst>
   <p:sldIdLst>
     <p:sldId id="256" r:id="rId2"/>
     <p:sldId id="257" r:id="rId3"/>
-    <p:sldId id="258" r:id="rId4"/>
-    <p:sldId id="259" r:id="rId5"/>
+    <p:sldId id="260" r:id="rId4"/>
+    <p:sldId id="258" r:id="rId5"/>
+    <p:sldId id="259" r:id="rId6"/>
   </p:sldIdLst>
   <p:sldSz cx="9144000" cy="6858000" type="screen4x3"/>
   <p:notesSz cx="6858000" cy="9144000"/>
@@ -3044,7 +3045,7 @@
           <a:p>
             <a:fld id="{5C1B11F4-4A81-4A1F-8746-8659FC968F94}" type="datetimeFigureOut">
               <a:rPr lang="en-US" smtClean="0"/>
-              <a:t>5/28/2022</a:t>
+              <a:t>5/30/2022</a:t>
             </a:fld>
             <a:endParaRPr lang="en-US"/>
           </a:p>
@@ -5605,7 +5606,7 @@
         <p:fade/>
       </p:transition>
     </mc:Choice>
-    <mc:Fallback xmlns="" xmlns:mv="urn:schemas-microsoft-com:mac:vml" xmlns:c="http://schemas.openxmlformats.org/drawingml/2006/chart" xmlns:dgm="http://schemas.openxmlformats.org/drawingml/2006/diagram" xmlns:o="urn:schemas-microsoft-com:office:office" xmlns:v="urn:schemas-microsoft-com:vml" xmlns:pvml="urn:schemas-microsoft-com:office:powerpoint" xmlns:com="http://schemas.openxmlformats.org/drawingml/2006/compatibility" xmlns:p15="http://schemas.microsoft.com/office/powerpoint/2012/main" xmlns:ahyp="http://schemas.microsoft.com/office/drawing/2018/hyperlinkcolor">
+    <mc:Fallback xmlns:ahyp="http://schemas.microsoft.com/office/drawing/2018/hyperlinkcolor" xmlns:p15="http://schemas.microsoft.com/office/powerpoint/2012/main" xmlns:com="http://schemas.openxmlformats.org/drawingml/2006/compatibility" xmlns:pvml="urn:schemas-microsoft-com:office:powerpoint" xmlns:v="urn:schemas-microsoft-com:vml" xmlns:o="urn:schemas-microsoft-com:office:office" xmlns:dgm="http://schemas.openxmlformats.org/drawingml/2006/diagram" xmlns:c="http://schemas.openxmlformats.org/drawingml/2006/chart" xmlns:mv="urn:schemas-microsoft-com:mac:vml" xmlns="">
       <p:transition>
         <p:fade/>
       </p:transition>
@@ -7969,7 +7970,7 @@
         <p:fade/>
       </p:transition>
     </mc:Choice>
-    <mc:Fallback xmlns="" xmlns:mv="urn:schemas-microsoft-com:mac:vml" xmlns:c="http://schemas.openxmlformats.org/drawingml/2006/chart" xmlns:dgm="http://schemas.openxmlformats.org/drawingml/2006/diagram" xmlns:o="urn:schemas-microsoft-com:office:office" xmlns:v="urn:schemas-microsoft-com:vml" xmlns:pvml="urn:schemas-microsoft-com:office:powerpoint" xmlns:com="http://schemas.openxmlformats.org/drawingml/2006/compatibility" xmlns:p15="http://schemas.microsoft.com/office/powerpoint/2012/main" xmlns:ahyp="http://schemas.microsoft.com/office/drawing/2018/hyperlinkcolor">
+    <mc:Fallback xmlns:ahyp="http://schemas.microsoft.com/office/drawing/2018/hyperlinkcolor" xmlns:p15="http://schemas.microsoft.com/office/powerpoint/2012/main" xmlns:com="http://schemas.openxmlformats.org/drawingml/2006/compatibility" xmlns:pvml="urn:schemas-microsoft-com:office:powerpoint" xmlns:v="urn:schemas-microsoft-com:vml" xmlns:o="urn:schemas-microsoft-com:office:office" xmlns:dgm="http://schemas.openxmlformats.org/drawingml/2006/diagram" xmlns:c="http://schemas.openxmlformats.org/drawingml/2006/chart" xmlns:mv="urn:schemas-microsoft-com:mac:vml" xmlns="">
       <p:transition>
         <p:fade/>
       </p:transition>
@@ -7995,8 +7996,176 @@
           <a:chExt cx="0" cy="0"/>
         </a:xfrm>
       </p:grpSpPr>
-      <mc:AlternateContent xmlns:mc="http://schemas.openxmlformats.org/markup-compatibility/2006">
-        <mc:Choice xmlns:a14="http://schemas.microsoft.com/office/drawing/2010/main" Requires="a14">
+      <p:sp>
+        <p:nvSpPr>
+          <p:cNvPr id="2" name="Footer Placeholder 1">
+            <a:extLst>
+              <a:ext uri="{FF2B5EF4-FFF2-40B4-BE49-F238E27FC236}">
+                <a16:creationId xmlns:a16="http://schemas.microsoft.com/office/drawing/2014/main" id="{98BAEE30-5A66-6C84-FFF2-3B91EA620299}"/>
+              </a:ext>
+            </a:extLst>
+          </p:cNvPr>
+          <p:cNvSpPr>
+            <a:spLocks noGrp="1"/>
+          </p:cNvSpPr>
+          <p:nvPr>
+            <p:ph type="ftr" sz="quarter" idx="11"/>
+          </p:nvPr>
+        </p:nvSpPr>
+        <p:spPr/>
+        <p:txBody>
+          <a:bodyPr/>
+          <a:lstStyle/>
+          <a:p>
+            <a:r>
+              <a:rPr lang="en-US"/>
+              <a:t>Physics 301 - Advanced Signal and Image Processing</a:t>
+            </a:r>
+            <a:endParaRPr lang="en-US" dirty="0"/>
+          </a:p>
+        </p:txBody>
+      </p:sp>
+      <p:sp>
+        <p:nvSpPr>
+          <p:cNvPr id="3" name="Title 2">
+            <a:extLst>
+              <a:ext uri="{FF2B5EF4-FFF2-40B4-BE49-F238E27FC236}">
+                <a16:creationId xmlns:a16="http://schemas.microsoft.com/office/drawing/2014/main" id="{90A9A6E1-2EAB-9082-7904-1F703D38D7FB}"/>
+              </a:ext>
+            </a:extLst>
+          </p:cNvPr>
+          <p:cNvSpPr>
+            <a:spLocks noGrp="1"/>
+          </p:cNvSpPr>
+          <p:nvPr>
+            <p:ph type="title"/>
+          </p:nvPr>
+        </p:nvSpPr>
+        <p:spPr/>
+        <p:txBody>
+          <a:bodyPr/>
+          <a:lstStyle/>
+          <a:p>
+            <a:r>
+              <a:rPr lang="en-US" dirty="0"/>
+              <a:t>Background</a:t>
+            </a:r>
+          </a:p>
+        </p:txBody>
+      </p:sp>
+      <p:sp>
+        <p:nvSpPr>
+          <p:cNvPr id="4" name="Content Placeholder 3">
+            <a:extLst>
+              <a:ext uri="{FF2B5EF4-FFF2-40B4-BE49-F238E27FC236}">
+                <a16:creationId xmlns:a16="http://schemas.microsoft.com/office/drawing/2014/main" id="{6BF01F03-1F33-C943-B4E7-E6EF195523D8}"/>
+              </a:ext>
+            </a:extLst>
+          </p:cNvPr>
+          <p:cNvSpPr>
+            <a:spLocks noGrp="1"/>
+          </p:cNvSpPr>
+          <p:nvPr>
+            <p:ph idx="1"/>
+          </p:nvPr>
+        </p:nvSpPr>
+        <p:spPr/>
+        <p:txBody>
+          <a:bodyPr/>
+          <a:lstStyle/>
+          <a:p>
+            <a:r>
+              <a:rPr lang="en-US" dirty="0"/>
+              <a:t>Color is trinity which implies that what we see is a product of three things: (1) the </a:t>
+            </a:r>
+            <a:r>
+              <a:rPr lang="en-US" b="1" dirty="0"/>
+              <a:t>emittance</a:t>
+            </a:r>
+            <a:r>
+              <a:rPr lang="en-US" dirty="0"/>
+              <a:t> of the source, (2) </a:t>
+            </a:r>
+            <a:r>
+              <a:rPr lang="en-US" b="1" dirty="0"/>
+              <a:t>reflectance</a:t>
+            </a:r>
+            <a:r>
+              <a:rPr lang="en-US" dirty="0"/>
+              <a:t> of the object, and (3) the </a:t>
+            </a:r>
+            <a:r>
+              <a:rPr lang="en-US" b="1" dirty="0"/>
+              <a:t>sensor sensitivity</a:t>
+            </a:r>
+            <a:r>
+              <a:rPr lang="en-US" dirty="0"/>
+              <a:t>. Among the three, only the surface reflectance is the property of the object hence, changing the source and the sensor can totally change how the object looks. This makes the color a subjective property of the object. In this activity, I demonstrate how color is rendered and how it changes perceptually under different illuminations.</a:t>
+            </a:r>
+          </a:p>
+        </p:txBody>
+      </p:sp>
+      <p:sp>
+        <p:nvSpPr>
+          <p:cNvPr id="5" name="Slide Number Placeholder 4">
+            <a:extLst>
+              <a:ext uri="{FF2B5EF4-FFF2-40B4-BE49-F238E27FC236}">
+                <a16:creationId xmlns:a16="http://schemas.microsoft.com/office/drawing/2014/main" id="{EA007CE4-5704-210E-D825-7181AAA40E62}"/>
+              </a:ext>
+            </a:extLst>
+          </p:cNvPr>
+          <p:cNvSpPr>
+            <a:spLocks noGrp="1"/>
+          </p:cNvSpPr>
+          <p:nvPr>
+            <p:ph type="sldNum" sz="quarter" idx="12"/>
+          </p:nvPr>
+        </p:nvSpPr>
+        <p:spPr/>
+        <p:txBody>
+          <a:bodyPr/>
+          <a:lstStyle/>
+          <a:p>
+            <a:fld id="{8262CFD8-7A98-47E6-A2CC-B17DDA24BA0E}" type="slidenum">
+              <a:rPr lang="en-US" smtClean="0"/>
+              <a:t>3</a:t>
+            </a:fld>
+            <a:endParaRPr lang="en-US"/>
+          </a:p>
+        </p:txBody>
+      </p:sp>
+    </p:spTree>
+    <p:extLst>
+      <p:ext uri="{BB962C8B-B14F-4D97-AF65-F5344CB8AC3E}">
+        <p14:creationId xmlns:p14="http://schemas.microsoft.com/office/powerpoint/2010/main" val="2221383797"/>
+      </p:ext>
+    </p:extLst>
+  </p:cSld>
+  <p:clrMapOvr>
+    <a:masterClrMapping/>
+  </p:clrMapOvr>
+</p:sld>
+</file>
+
+<file path=ppt/slides/slide4.xml><?xml version="1.0" encoding="utf-8"?>
+<p:sld xmlns:a="http://schemas.openxmlformats.org/drawingml/2006/main" xmlns:r="http://schemas.openxmlformats.org/officeDocument/2006/relationships" xmlns:p="http://schemas.openxmlformats.org/presentationml/2006/main">
+  <p:cSld>
+    <p:spTree>
+      <p:nvGrpSpPr>
+        <p:cNvPr id="1" name=""/>
+        <p:cNvGrpSpPr/>
+        <p:nvPr/>
+      </p:nvGrpSpPr>
+      <p:grpSpPr>
+        <a:xfrm>
+          <a:off x="0" y="0"/>
+          <a:ext cx="0" cy="0"/>
+          <a:chOff x="0" y="0"/>
+          <a:chExt cx="0" cy="0"/>
+        </a:xfrm>
+      </p:grpSpPr>
+      <mc:AlternateContent xmlns:mc="http://schemas.openxmlformats.org/markup-compatibility/2006" xmlns:a14="http://schemas.microsoft.com/office/drawing/2010/main">
+        <mc:Choice Requires="a14">
           <p:sp>
             <p:nvSpPr>
               <p:cNvPr id="3" name="Content Placeholder 2">
@@ -8761,7 +8930,7 @@
             </p:txBody>
           </p:sp>
         </mc:Choice>
-        <mc:Fallback>
+        <mc:Fallback xmlns="">
           <p:sp>
             <p:nvSpPr>
               <p:cNvPr id="3" name="Content Placeholder 2">
@@ -8925,7 +9094,7 @@
           <a:p>
             <a:fld id="{8262CFD8-7A98-47E6-A2CC-B17DDA24BA0E}" type="slidenum">
               <a:rPr lang="en-US" smtClean="0"/>
-              <a:t>3</a:t>
+              <a:t>4</a:t>
             </a:fld>
             <a:endParaRPr lang="en-US"/>
           </a:p>
@@ -9452,7 +9621,7 @@
 </p:sld>
 </file>
 
-<file path=ppt/slides/slide4.xml><?xml version="1.0" encoding="utf-8"?>
+<file path=ppt/slides/slide5.xml><?xml version="1.0" encoding="utf-8"?>
 <p:sld xmlns:a="http://schemas.openxmlformats.org/drawingml/2006/main" xmlns:r="http://schemas.openxmlformats.org/officeDocument/2006/relationships" xmlns:p="http://schemas.openxmlformats.org/presentationml/2006/main">
   <p:cSld>
     <p:spTree>
@@ -9500,10 +9669,10 @@
       </p:sp>
       <p:sp>
         <p:nvSpPr>
-          <p:cNvPr id="3" name="Title 2">
+          <p:cNvPr id="4" name="Title 3">
             <a:extLst>
               <a:ext uri="{FF2B5EF4-FFF2-40B4-BE49-F238E27FC236}">
-                <a16:creationId xmlns:a16="http://schemas.microsoft.com/office/drawing/2014/main" id="{31DBDA02-4DD1-B9A5-8741-387E8CEB967E}"/>
+                <a16:creationId xmlns:a16="http://schemas.microsoft.com/office/drawing/2014/main" id="{D89F2072-4CF5-69DA-9BFB-7ED7F5F319D5}"/>
               </a:ext>
             </a:extLst>
           </p:cNvPr>
@@ -9519,35 +9688,6 @@
           <a:bodyPr/>
           <a:lstStyle/>
           <a:p>
-            <a:endParaRPr lang="en-US" dirty="0"/>
-          </a:p>
-        </p:txBody>
-      </p:sp>
-      <p:sp>
-        <p:nvSpPr>
-          <p:cNvPr id="5" name="Slide Number Placeholder 4">
-            <a:extLst>
-              <a:ext uri="{FF2B5EF4-FFF2-40B4-BE49-F238E27FC236}">
-                <a16:creationId xmlns:a16="http://schemas.microsoft.com/office/drawing/2014/main" id="{E67915E5-4C2F-DF9A-E408-A7359D76E8AF}"/>
-              </a:ext>
-            </a:extLst>
-          </p:cNvPr>
-          <p:cNvSpPr>
-            <a:spLocks noGrp="1"/>
-          </p:cNvSpPr>
-          <p:nvPr>
-            <p:ph type="sldNum" sz="quarter" idx="12"/>
-          </p:nvPr>
-        </p:nvSpPr>
-        <p:spPr/>
-        <p:txBody>
-          <a:bodyPr/>
-          <a:lstStyle/>
-          <a:p>
-            <a:fld id="{8262CFD8-7A98-47E6-A2CC-B17DDA24BA0E}" type="slidenum">
-              <a:rPr lang="en-US" smtClean="0"/>
-              <a:t>4</a:t>
-            </a:fld>
             <a:endParaRPr lang="en-US"/>
           </a:p>
         </p:txBody>
@@ -9587,6 +9727,35 @@
           </a:xfrm>
         </p:spPr>
       </p:pic>
+      <p:sp>
+        <p:nvSpPr>
+          <p:cNvPr id="5" name="Slide Number Placeholder 4">
+            <a:extLst>
+              <a:ext uri="{FF2B5EF4-FFF2-40B4-BE49-F238E27FC236}">
+                <a16:creationId xmlns:a16="http://schemas.microsoft.com/office/drawing/2014/main" id="{E67915E5-4C2F-DF9A-E408-A7359D76E8AF}"/>
+              </a:ext>
+            </a:extLst>
+          </p:cNvPr>
+          <p:cNvSpPr>
+            <a:spLocks noGrp="1"/>
+          </p:cNvSpPr>
+          <p:nvPr>
+            <p:ph type="sldNum" sz="quarter" idx="12"/>
+          </p:nvPr>
+        </p:nvSpPr>
+        <p:spPr/>
+        <p:txBody>
+          <a:bodyPr/>
+          <a:lstStyle/>
+          <a:p>
+            <a:fld id="{8262CFD8-7A98-47E6-A2CC-B17DDA24BA0E}" type="slidenum">
+              <a:rPr lang="en-US" smtClean="0"/>
+              <a:t>5</a:t>
+            </a:fld>
+            <a:endParaRPr lang="en-US"/>
+          </a:p>
+        </p:txBody>
+      </p:sp>
     </p:spTree>
     <p:extLst>
       <p:ext uri="{BB962C8B-B14F-4D97-AF65-F5344CB8AC3E}">

--- a/02 Spectral Imaging/Activity 2 - Spectral Imaging.pptx
+++ b/02 Spectral Imaging/Activity 2 - Spectral Imaging.pptx
@@ -5,7 +5,7 @@
     <p:sldMasterId id="2147483660" r:id="rId1"/>
   </p:sldMasterIdLst>
   <p:notesMasterIdLst>
-    <p:notesMasterId r:id="rId7"/>
+    <p:notesMasterId r:id="rId10"/>
   </p:notesMasterIdLst>
   <p:sldIdLst>
     <p:sldId id="256" r:id="rId2"/>
@@ -13,6 +13,9 @@
     <p:sldId id="260" r:id="rId4"/>
     <p:sldId id="258" r:id="rId5"/>
     <p:sldId id="259" r:id="rId6"/>
+    <p:sldId id="261" r:id="rId7"/>
+    <p:sldId id="262" r:id="rId8"/>
+    <p:sldId id="263" r:id="rId9"/>
   </p:sldIdLst>
   <p:sldSz cx="9144000" cy="6858000" type="screen4x3"/>
   <p:notesSz cx="6858000" cy="9144000"/>
@@ -3045,7 +3048,7 @@
           <a:p>
             <a:fld id="{5C1B11F4-4A81-4A1F-8746-8659FC968F94}" type="datetimeFigureOut">
               <a:rPr lang="en-US" smtClean="0"/>
-              <a:t>5/30/2022</a:t>
+              <a:t>6/1/2022</a:t>
             </a:fld>
             <a:endParaRPr lang="en-US"/>
           </a:p>
@@ -5606,7 +5609,7 @@
         <p:fade/>
       </p:transition>
     </mc:Choice>
-    <mc:Fallback xmlns:ahyp="http://schemas.microsoft.com/office/drawing/2018/hyperlinkcolor" xmlns:p15="http://schemas.microsoft.com/office/powerpoint/2012/main" xmlns:com="http://schemas.openxmlformats.org/drawingml/2006/compatibility" xmlns:pvml="urn:schemas-microsoft-com:office:powerpoint" xmlns:v="urn:schemas-microsoft-com:vml" xmlns:o="urn:schemas-microsoft-com:office:office" xmlns:dgm="http://schemas.openxmlformats.org/drawingml/2006/diagram" xmlns:c="http://schemas.openxmlformats.org/drawingml/2006/chart" xmlns:mv="urn:schemas-microsoft-com:mac:vml" xmlns="">
+    <mc:Fallback xmlns="" xmlns:mv="urn:schemas-microsoft-com:mac:vml" xmlns:c="http://schemas.openxmlformats.org/drawingml/2006/chart" xmlns:dgm="http://schemas.openxmlformats.org/drawingml/2006/diagram" xmlns:o="urn:schemas-microsoft-com:office:office" xmlns:v="urn:schemas-microsoft-com:vml" xmlns:pvml="urn:schemas-microsoft-com:office:powerpoint" xmlns:com="http://schemas.openxmlformats.org/drawingml/2006/compatibility" xmlns:p15="http://schemas.microsoft.com/office/powerpoint/2012/main" xmlns:ahyp="http://schemas.microsoft.com/office/drawing/2018/hyperlinkcolor">
       <p:transition>
         <p:fade/>
       </p:transition>
@@ -7970,7 +7973,7 @@
         <p:fade/>
       </p:transition>
     </mc:Choice>
-    <mc:Fallback xmlns:ahyp="http://schemas.microsoft.com/office/drawing/2018/hyperlinkcolor" xmlns:p15="http://schemas.microsoft.com/office/powerpoint/2012/main" xmlns:com="http://schemas.openxmlformats.org/drawingml/2006/compatibility" xmlns:pvml="urn:schemas-microsoft-com:office:powerpoint" xmlns:v="urn:schemas-microsoft-com:vml" xmlns:o="urn:schemas-microsoft-com:office:office" xmlns:dgm="http://schemas.openxmlformats.org/drawingml/2006/diagram" xmlns:c="http://schemas.openxmlformats.org/drawingml/2006/chart" xmlns:mv="urn:schemas-microsoft-com:mac:vml" xmlns="">
+    <mc:Fallback xmlns="" xmlns:mv="urn:schemas-microsoft-com:mac:vml" xmlns:c="http://schemas.openxmlformats.org/drawingml/2006/chart" xmlns:dgm="http://schemas.openxmlformats.org/drawingml/2006/diagram" xmlns:o="urn:schemas-microsoft-com:office:office" xmlns:v="urn:schemas-microsoft-com:vml" xmlns:pvml="urn:schemas-microsoft-com:office:powerpoint" xmlns:com="http://schemas.openxmlformats.org/drawingml/2006/compatibility" xmlns:p15="http://schemas.microsoft.com/office/powerpoint/2012/main" xmlns:ahyp="http://schemas.microsoft.com/office/drawing/2018/hyperlinkcolor">
       <p:transition>
         <p:fade/>
       </p:transition>
@@ -9640,6 +9643,31 @@
       </p:grpSpPr>
       <p:sp>
         <p:nvSpPr>
+          <p:cNvPr id="6" name="Content Placeholder 5">
+            <a:extLst>
+              <a:ext uri="{FF2B5EF4-FFF2-40B4-BE49-F238E27FC236}">
+                <a16:creationId xmlns:a16="http://schemas.microsoft.com/office/drawing/2014/main" id="{F7674890-64A6-B091-12AD-8AA28A0F1102}"/>
+              </a:ext>
+            </a:extLst>
+          </p:cNvPr>
+          <p:cNvSpPr>
+            <a:spLocks noGrp="1"/>
+          </p:cNvSpPr>
+          <p:nvPr>
+            <p:ph idx="1"/>
+          </p:nvPr>
+        </p:nvSpPr>
+        <p:spPr/>
+        <p:txBody>
+          <a:bodyPr/>
+          <a:lstStyle/>
+          <a:p>
+            <a:endParaRPr lang="en-US" dirty="0"/>
+          </a:p>
+        </p:txBody>
+      </p:sp>
+      <p:sp>
+        <p:nvSpPr>
           <p:cNvPr id="2" name="Footer Placeholder 1">
             <a:extLst>
               <a:ext uri="{FF2B5EF4-FFF2-40B4-BE49-F238E27FC236}">
@@ -9688,45 +9716,10 @@
           <a:bodyPr/>
           <a:lstStyle/>
           <a:p>
-            <a:endParaRPr lang="en-US"/>
+            <a:endParaRPr lang="en-US" dirty="0"/>
           </a:p>
         </p:txBody>
       </p:sp>
-      <p:pic>
-        <p:nvPicPr>
-          <p:cNvPr id="33" name="Content Placeholder 32" descr="Graphical user interface&#10;&#10;Description automatically generated">
-            <a:extLst>
-              <a:ext uri="{FF2B5EF4-FFF2-40B4-BE49-F238E27FC236}">
-                <a16:creationId xmlns:a16="http://schemas.microsoft.com/office/drawing/2014/main" id="{030CE403-67C7-BE7E-2014-24226515F2A8}"/>
-              </a:ext>
-            </a:extLst>
-          </p:cNvPr>
-          <p:cNvPicPr>
-            <a:picLocks noGrp="1" noChangeAspect="1"/>
-          </p:cNvPicPr>
-          <p:nvPr>
-            <p:ph idx="1"/>
-          </p:nvPr>
-        </p:nvPicPr>
-        <p:blipFill>
-          <a:blip r:embed="rId2">
-            <a:extLst>
-              <a:ext uri="{28A0092B-C50C-407E-A947-70E740481C1C}">
-                <a14:useLocalDpi xmlns:a14="http://schemas.microsoft.com/office/drawing/2010/main" val="0"/>
-              </a:ext>
-            </a:extLst>
-          </a:blip>
-          <a:stretch>
-            <a:fillRect/>
-          </a:stretch>
-        </p:blipFill>
-        <p:spPr>
-          <a:xfrm>
-            <a:off x="628650" y="2195855"/>
-            <a:ext cx="7886700" cy="2917141"/>
-          </a:xfrm>
-        </p:spPr>
-      </p:pic>
       <p:sp>
         <p:nvSpPr>
           <p:cNvPr id="5" name="Slide Number Placeholder 4">
@@ -9756,10 +9749,561 @@
           </a:p>
         </p:txBody>
       </p:sp>
+      <p:pic>
+        <p:nvPicPr>
+          <p:cNvPr id="4102" name="Picture 6">
+            <a:extLst>
+              <a:ext uri="{FF2B5EF4-FFF2-40B4-BE49-F238E27FC236}">
+                <a16:creationId xmlns:a16="http://schemas.microsoft.com/office/drawing/2014/main" id="{920CD7B4-4C79-D935-987D-5D2398349B74}"/>
+              </a:ext>
+            </a:extLst>
+          </p:cNvPr>
+          <p:cNvPicPr>
+            <a:picLocks noChangeAspect="1" noChangeArrowheads="1"/>
+          </p:cNvPicPr>
+          <p:nvPr/>
+        </p:nvPicPr>
+        <p:blipFill>
+          <a:blip r:embed="rId2">
+            <a:extLst>
+              <a:ext uri="{28A0092B-C50C-407E-A947-70E740481C1C}">
+                <a14:useLocalDpi xmlns:a14="http://schemas.microsoft.com/office/drawing/2010/main" val="0"/>
+              </a:ext>
+            </a:extLst>
+          </a:blip>
+          <a:srcRect/>
+          <a:stretch>
+            <a:fillRect/>
+          </a:stretch>
+        </p:blipFill>
+        <p:spPr bwMode="auto">
+          <a:xfrm>
+            <a:off x="914400" y="1027523"/>
+            <a:ext cx="7315200" cy="2435551"/>
+          </a:xfrm>
+          <a:prstGeom prst="rect">
+            <a:avLst/>
+          </a:prstGeom>
+          <a:noFill/>
+          <a:extLst>
+            <a:ext uri="{909E8E84-426E-40DD-AFC4-6F175D3DCCD1}">
+              <a14:hiddenFill xmlns:a14="http://schemas.microsoft.com/office/drawing/2010/main">
+                <a:solidFill>
+                  <a:srgbClr val="FFFFFF"/>
+                </a:solidFill>
+              </a14:hiddenFill>
+            </a:ext>
+          </a:extLst>
+        </p:spPr>
+      </p:pic>
+      <p:pic>
+        <p:nvPicPr>
+          <p:cNvPr id="4104" name="Picture 8">
+            <a:extLst>
+              <a:ext uri="{FF2B5EF4-FFF2-40B4-BE49-F238E27FC236}">
+                <a16:creationId xmlns:a16="http://schemas.microsoft.com/office/drawing/2014/main" id="{988485C1-8729-3E30-2359-83D26CBFFE94}"/>
+              </a:ext>
+            </a:extLst>
+          </p:cNvPr>
+          <p:cNvPicPr>
+            <a:picLocks noChangeAspect="1" noChangeArrowheads="1"/>
+          </p:cNvPicPr>
+          <p:nvPr/>
+        </p:nvPicPr>
+        <p:blipFill>
+          <a:blip r:embed="rId3">
+            <a:extLst>
+              <a:ext uri="{28A0092B-C50C-407E-A947-70E740481C1C}">
+                <a14:useLocalDpi xmlns:a14="http://schemas.microsoft.com/office/drawing/2010/main" val="0"/>
+              </a:ext>
+            </a:extLst>
+          </a:blip>
+          <a:srcRect/>
+          <a:stretch>
+            <a:fillRect/>
+          </a:stretch>
+        </p:blipFill>
+        <p:spPr bwMode="auto">
+          <a:xfrm>
+            <a:off x="914400" y="3759964"/>
+            <a:ext cx="7315200" cy="2435551"/>
+          </a:xfrm>
+          <a:prstGeom prst="rect">
+            <a:avLst/>
+          </a:prstGeom>
+          <a:noFill/>
+          <a:extLst>
+            <a:ext uri="{909E8E84-426E-40DD-AFC4-6F175D3DCCD1}">
+              <a14:hiddenFill xmlns:a14="http://schemas.microsoft.com/office/drawing/2010/main">
+                <a:solidFill>
+                  <a:srgbClr val="FFFFFF"/>
+                </a:solidFill>
+              </a14:hiddenFill>
+            </a:ext>
+          </a:extLst>
+        </p:spPr>
+      </p:pic>
     </p:spTree>
     <p:extLst>
       <p:ext uri="{BB962C8B-B14F-4D97-AF65-F5344CB8AC3E}">
         <p14:creationId xmlns:p14="http://schemas.microsoft.com/office/powerpoint/2010/main" val="2409044818"/>
+      </p:ext>
+    </p:extLst>
+  </p:cSld>
+  <p:clrMapOvr>
+    <a:masterClrMapping/>
+  </p:clrMapOvr>
+</p:sld>
+</file>
+
+<file path=ppt/slides/slide6.xml><?xml version="1.0" encoding="utf-8"?>
+<p:sld xmlns:a="http://schemas.openxmlformats.org/drawingml/2006/main" xmlns:r="http://schemas.openxmlformats.org/officeDocument/2006/relationships" xmlns:p="http://schemas.openxmlformats.org/presentationml/2006/main">
+  <p:cSld>
+    <p:spTree>
+      <p:nvGrpSpPr>
+        <p:cNvPr id="1" name=""/>
+        <p:cNvGrpSpPr/>
+        <p:nvPr/>
+      </p:nvGrpSpPr>
+      <p:grpSpPr>
+        <a:xfrm>
+          <a:off x="0" y="0"/>
+          <a:ext cx="0" cy="0"/>
+          <a:chOff x="0" y="0"/>
+          <a:chExt cx="0" cy="0"/>
+        </a:xfrm>
+      </p:grpSpPr>
+      <p:sp>
+        <p:nvSpPr>
+          <p:cNvPr id="2" name="Footer Placeholder 1">
+            <a:extLst>
+              <a:ext uri="{FF2B5EF4-FFF2-40B4-BE49-F238E27FC236}">
+                <a16:creationId xmlns:a16="http://schemas.microsoft.com/office/drawing/2014/main" id="{B4E121F6-DFC2-7D20-0094-98B1F5C74ABA}"/>
+              </a:ext>
+            </a:extLst>
+          </p:cNvPr>
+          <p:cNvSpPr>
+            <a:spLocks noGrp="1"/>
+          </p:cNvSpPr>
+          <p:nvPr>
+            <p:ph type="ftr" sz="quarter" idx="11"/>
+          </p:nvPr>
+        </p:nvSpPr>
+        <p:spPr/>
+        <p:txBody>
+          <a:bodyPr/>
+          <a:lstStyle/>
+          <a:p>
+            <a:r>
+              <a:rPr lang="en-US"/>
+              <a:t>Physics 301 - Advanced Signal and Image Processing</a:t>
+            </a:r>
+            <a:endParaRPr lang="en-US" dirty="0"/>
+          </a:p>
+        </p:txBody>
+      </p:sp>
+      <p:sp>
+        <p:nvSpPr>
+          <p:cNvPr id="3" name="Title 2">
+            <a:extLst>
+              <a:ext uri="{FF2B5EF4-FFF2-40B4-BE49-F238E27FC236}">
+                <a16:creationId xmlns:a16="http://schemas.microsoft.com/office/drawing/2014/main" id="{C9F45A31-CFA9-ABC8-5958-27A2CF34DA1D}"/>
+              </a:ext>
+            </a:extLst>
+          </p:cNvPr>
+          <p:cNvSpPr>
+            <a:spLocks noGrp="1"/>
+          </p:cNvSpPr>
+          <p:nvPr>
+            <p:ph type="title"/>
+          </p:nvPr>
+        </p:nvSpPr>
+        <p:spPr/>
+        <p:txBody>
+          <a:bodyPr/>
+          <a:lstStyle/>
+          <a:p>
+            <a:r>
+              <a:rPr lang="en-US" dirty="0"/>
+              <a:t>Color Simulation</a:t>
+            </a:r>
+          </a:p>
+        </p:txBody>
+      </p:sp>
+      <p:sp>
+        <p:nvSpPr>
+          <p:cNvPr id="4" name="Content Placeholder 3">
+            <a:extLst>
+              <a:ext uri="{FF2B5EF4-FFF2-40B4-BE49-F238E27FC236}">
+                <a16:creationId xmlns:a16="http://schemas.microsoft.com/office/drawing/2014/main" id="{51E8BDE4-6711-E016-71A7-771F07305B37}"/>
+              </a:ext>
+            </a:extLst>
+          </p:cNvPr>
+          <p:cNvSpPr>
+            <a:spLocks noGrp="1"/>
+          </p:cNvSpPr>
+          <p:nvPr>
+            <p:ph idx="1"/>
+          </p:nvPr>
+        </p:nvSpPr>
+        <p:spPr/>
+        <p:txBody>
+          <a:bodyPr/>
+          <a:lstStyle/>
+          <a:p>
+            <a:endParaRPr lang="en-US"/>
+          </a:p>
+        </p:txBody>
+      </p:sp>
+      <p:sp>
+        <p:nvSpPr>
+          <p:cNvPr id="5" name="Slide Number Placeholder 4">
+            <a:extLst>
+              <a:ext uri="{FF2B5EF4-FFF2-40B4-BE49-F238E27FC236}">
+                <a16:creationId xmlns:a16="http://schemas.microsoft.com/office/drawing/2014/main" id="{69031909-C27D-D7DE-ADA2-61EBB70ED3C9}"/>
+              </a:ext>
+            </a:extLst>
+          </p:cNvPr>
+          <p:cNvSpPr>
+            <a:spLocks noGrp="1"/>
+          </p:cNvSpPr>
+          <p:nvPr>
+            <p:ph type="sldNum" sz="quarter" idx="12"/>
+          </p:nvPr>
+        </p:nvSpPr>
+        <p:spPr/>
+        <p:txBody>
+          <a:bodyPr/>
+          <a:lstStyle/>
+          <a:p>
+            <a:fld id="{8262CFD8-7A98-47E6-A2CC-B17DDA24BA0E}" type="slidenum">
+              <a:rPr lang="en-US" smtClean="0"/>
+              <a:t>6</a:t>
+            </a:fld>
+            <a:endParaRPr lang="en-US"/>
+          </a:p>
+        </p:txBody>
+      </p:sp>
+      <p:pic>
+        <p:nvPicPr>
+          <p:cNvPr id="1028" name="Picture 4">
+            <a:extLst>
+              <a:ext uri="{FF2B5EF4-FFF2-40B4-BE49-F238E27FC236}">
+                <a16:creationId xmlns:a16="http://schemas.microsoft.com/office/drawing/2014/main" id="{06E7E2E4-0536-7502-079C-4D87DF14B110}"/>
+              </a:ext>
+            </a:extLst>
+          </p:cNvPr>
+          <p:cNvPicPr>
+            <a:picLocks noChangeAspect="1" noChangeArrowheads="1"/>
+          </p:cNvPicPr>
+          <p:nvPr/>
+        </p:nvPicPr>
+        <p:blipFill>
+          <a:blip r:embed="rId2">
+            <a:extLst>
+              <a:ext uri="{28A0092B-C50C-407E-A947-70E740481C1C}">
+                <a14:useLocalDpi xmlns:a14="http://schemas.microsoft.com/office/drawing/2010/main" val="0"/>
+              </a:ext>
+            </a:extLst>
+          </a:blip>
+          <a:srcRect/>
+          <a:stretch>
+            <a:fillRect/>
+          </a:stretch>
+        </p:blipFill>
+        <p:spPr bwMode="auto">
+          <a:xfrm>
+            <a:off x="457200" y="1060907"/>
+            <a:ext cx="8229600" cy="5186363"/>
+          </a:xfrm>
+          <a:prstGeom prst="rect">
+            <a:avLst/>
+          </a:prstGeom>
+          <a:noFill/>
+          <a:extLst>
+            <a:ext uri="{909E8E84-426E-40DD-AFC4-6F175D3DCCD1}">
+              <a14:hiddenFill xmlns:a14="http://schemas.microsoft.com/office/drawing/2010/main">
+                <a:solidFill>
+                  <a:srgbClr val="FFFFFF"/>
+                </a:solidFill>
+              </a14:hiddenFill>
+            </a:ext>
+          </a:extLst>
+        </p:spPr>
+      </p:pic>
+    </p:spTree>
+    <p:extLst>
+      <p:ext uri="{BB962C8B-B14F-4D97-AF65-F5344CB8AC3E}">
+        <p14:creationId xmlns:p14="http://schemas.microsoft.com/office/powerpoint/2010/main" val="2699046873"/>
+      </p:ext>
+    </p:extLst>
+  </p:cSld>
+  <p:clrMapOvr>
+    <a:masterClrMapping/>
+  </p:clrMapOvr>
+</p:sld>
+</file>
+
+<file path=ppt/slides/slide7.xml><?xml version="1.0" encoding="utf-8"?>
+<p:sld xmlns:a="http://schemas.openxmlformats.org/drawingml/2006/main" xmlns:r="http://schemas.openxmlformats.org/officeDocument/2006/relationships" xmlns:p="http://schemas.openxmlformats.org/presentationml/2006/main">
+  <p:cSld>
+    <p:spTree>
+      <p:nvGrpSpPr>
+        <p:cNvPr id="1" name=""/>
+        <p:cNvGrpSpPr/>
+        <p:nvPr/>
+      </p:nvGrpSpPr>
+      <p:grpSpPr>
+        <a:xfrm>
+          <a:off x="0" y="0"/>
+          <a:ext cx="0" cy="0"/>
+          <a:chOff x="0" y="0"/>
+          <a:chExt cx="0" cy="0"/>
+        </a:xfrm>
+      </p:grpSpPr>
+      <p:sp>
+        <p:nvSpPr>
+          <p:cNvPr id="2" name="Footer Placeholder 1">
+            <a:extLst>
+              <a:ext uri="{FF2B5EF4-FFF2-40B4-BE49-F238E27FC236}">
+                <a16:creationId xmlns:a16="http://schemas.microsoft.com/office/drawing/2014/main" id="{433DDF6F-5A37-C5EB-812E-CA45A5D5D225}"/>
+              </a:ext>
+            </a:extLst>
+          </p:cNvPr>
+          <p:cNvSpPr>
+            <a:spLocks noGrp="1"/>
+          </p:cNvSpPr>
+          <p:nvPr>
+            <p:ph type="ftr" sz="quarter" idx="11"/>
+          </p:nvPr>
+        </p:nvSpPr>
+        <p:spPr/>
+        <p:txBody>
+          <a:bodyPr/>
+          <a:lstStyle/>
+          <a:p>
+            <a:r>
+              <a:rPr lang="en-US"/>
+              <a:t>Physics 301 - Advanced Signal and Image Processing</a:t>
+            </a:r>
+            <a:endParaRPr lang="en-US" dirty="0"/>
+          </a:p>
+        </p:txBody>
+      </p:sp>
+      <p:sp>
+        <p:nvSpPr>
+          <p:cNvPr id="5" name="Slide Number Placeholder 4">
+            <a:extLst>
+              <a:ext uri="{FF2B5EF4-FFF2-40B4-BE49-F238E27FC236}">
+                <a16:creationId xmlns:a16="http://schemas.microsoft.com/office/drawing/2014/main" id="{850F4EFA-B109-B585-8CA1-06DDEA2F1282}"/>
+              </a:ext>
+            </a:extLst>
+          </p:cNvPr>
+          <p:cNvSpPr>
+            <a:spLocks noGrp="1"/>
+          </p:cNvSpPr>
+          <p:nvPr>
+            <p:ph type="sldNum" sz="quarter" idx="12"/>
+          </p:nvPr>
+        </p:nvSpPr>
+        <p:spPr/>
+        <p:txBody>
+          <a:bodyPr/>
+          <a:lstStyle/>
+          <a:p>
+            <a:fld id="{8262CFD8-7A98-47E6-A2CC-B17DDA24BA0E}" type="slidenum">
+              <a:rPr lang="en-US" smtClean="0"/>
+              <a:t>7</a:t>
+            </a:fld>
+            <a:endParaRPr lang="en-US"/>
+          </a:p>
+        </p:txBody>
+      </p:sp>
+      <p:pic>
+        <p:nvPicPr>
+          <p:cNvPr id="2052" name="Picture 4">
+            <a:extLst>
+              <a:ext uri="{FF2B5EF4-FFF2-40B4-BE49-F238E27FC236}">
+                <a16:creationId xmlns:a16="http://schemas.microsoft.com/office/drawing/2014/main" id="{E6C93E16-00F4-0A0D-70DB-B17D2CC16355}"/>
+              </a:ext>
+            </a:extLst>
+          </p:cNvPr>
+          <p:cNvPicPr>
+            <a:picLocks noChangeAspect="1" noChangeArrowheads="1"/>
+          </p:cNvPicPr>
+          <p:nvPr/>
+        </p:nvPicPr>
+        <p:blipFill>
+          <a:blip r:embed="rId2">
+            <a:extLst>
+              <a:ext uri="{28A0092B-C50C-407E-A947-70E740481C1C}">
+                <a14:useLocalDpi xmlns:a14="http://schemas.microsoft.com/office/drawing/2010/main" val="0"/>
+              </a:ext>
+            </a:extLst>
+          </a:blip>
+          <a:srcRect/>
+          <a:stretch>
+            <a:fillRect/>
+          </a:stretch>
+        </p:blipFill>
+        <p:spPr bwMode="auto">
+          <a:xfrm>
+            <a:off x="457200" y="212726"/>
+            <a:ext cx="8229600" cy="6143625"/>
+          </a:xfrm>
+          <a:prstGeom prst="rect">
+            <a:avLst/>
+          </a:prstGeom>
+          <a:noFill/>
+          <a:extLst>
+            <a:ext uri="{909E8E84-426E-40DD-AFC4-6F175D3DCCD1}">
+              <a14:hiddenFill xmlns:a14="http://schemas.microsoft.com/office/drawing/2010/main">
+                <a:solidFill>
+                  <a:srgbClr val="FFFFFF"/>
+                </a:solidFill>
+              </a14:hiddenFill>
+            </a:ext>
+          </a:extLst>
+        </p:spPr>
+      </p:pic>
+    </p:spTree>
+    <p:extLst>
+      <p:ext uri="{BB962C8B-B14F-4D97-AF65-F5344CB8AC3E}">
+        <p14:creationId xmlns:p14="http://schemas.microsoft.com/office/powerpoint/2010/main" val="2897174803"/>
+      </p:ext>
+    </p:extLst>
+  </p:cSld>
+  <p:clrMapOvr>
+    <a:masterClrMapping/>
+  </p:clrMapOvr>
+</p:sld>
+</file>
+
+<file path=ppt/slides/slide8.xml><?xml version="1.0" encoding="utf-8"?>
+<p:sld xmlns:a="http://schemas.openxmlformats.org/drawingml/2006/main" xmlns:r="http://schemas.openxmlformats.org/officeDocument/2006/relationships" xmlns:p="http://schemas.openxmlformats.org/presentationml/2006/main">
+  <p:cSld>
+    <p:spTree>
+      <p:nvGrpSpPr>
+        <p:cNvPr id="1" name=""/>
+        <p:cNvGrpSpPr/>
+        <p:nvPr/>
+      </p:nvGrpSpPr>
+      <p:grpSpPr>
+        <a:xfrm>
+          <a:off x="0" y="0"/>
+          <a:ext cx="0" cy="0"/>
+          <a:chOff x="0" y="0"/>
+          <a:chExt cx="0" cy="0"/>
+        </a:xfrm>
+      </p:grpSpPr>
+      <p:sp>
+        <p:nvSpPr>
+          <p:cNvPr id="2" name="Footer Placeholder 1">
+            <a:extLst>
+              <a:ext uri="{FF2B5EF4-FFF2-40B4-BE49-F238E27FC236}">
+                <a16:creationId xmlns:a16="http://schemas.microsoft.com/office/drawing/2014/main" id="{FD3B718F-C608-0EE6-00B1-9D252F180ADC}"/>
+              </a:ext>
+            </a:extLst>
+          </p:cNvPr>
+          <p:cNvSpPr>
+            <a:spLocks noGrp="1"/>
+          </p:cNvSpPr>
+          <p:nvPr>
+            <p:ph type="ftr" sz="quarter" idx="11"/>
+          </p:nvPr>
+        </p:nvSpPr>
+        <p:spPr/>
+        <p:txBody>
+          <a:bodyPr/>
+          <a:lstStyle/>
+          <a:p>
+            <a:r>
+              <a:rPr lang="en-US"/>
+              <a:t>Physics 301 - Advanced Signal and Image Processing</a:t>
+            </a:r>
+          </a:p>
+        </p:txBody>
+      </p:sp>
+      <p:sp>
+        <p:nvSpPr>
+          <p:cNvPr id="3" name="Slide Number Placeholder 2">
+            <a:extLst>
+              <a:ext uri="{FF2B5EF4-FFF2-40B4-BE49-F238E27FC236}">
+                <a16:creationId xmlns:a16="http://schemas.microsoft.com/office/drawing/2014/main" id="{573E36FE-C823-4D7E-59F7-0DD37E11699F}"/>
+              </a:ext>
+            </a:extLst>
+          </p:cNvPr>
+          <p:cNvSpPr>
+            <a:spLocks noGrp="1"/>
+          </p:cNvSpPr>
+          <p:nvPr>
+            <p:ph type="sldNum" sz="quarter" idx="12"/>
+          </p:nvPr>
+        </p:nvSpPr>
+        <p:spPr/>
+        <p:txBody>
+          <a:bodyPr/>
+          <a:lstStyle/>
+          <a:p>
+            <a:fld id="{8262CFD8-7A98-47E6-A2CC-B17DDA24BA0E}" type="slidenum">
+              <a:rPr lang="en-US" smtClean="0"/>
+              <a:t>8</a:t>
+            </a:fld>
+            <a:endParaRPr lang="en-US"/>
+          </a:p>
+        </p:txBody>
+      </p:sp>
+      <p:pic>
+        <p:nvPicPr>
+          <p:cNvPr id="3074" name="Picture 2">
+            <a:extLst>
+              <a:ext uri="{FF2B5EF4-FFF2-40B4-BE49-F238E27FC236}">
+                <a16:creationId xmlns:a16="http://schemas.microsoft.com/office/drawing/2014/main" id="{5EED379B-FF65-3630-18F5-D2A5314C48EA}"/>
+              </a:ext>
+            </a:extLst>
+          </p:cNvPr>
+          <p:cNvPicPr>
+            <a:picLocks noChangeAspect="1" noChangeArrowheads="1"/>
+          </p:cNvPicPr>
+          <p:nvPr/>
+        </p:nvPicPr>
+        <p:blipFill>
+          <a:blip r:embed="rId2">
+            <a:extLst>
+              <a:ext uri="{28A0092B-C50C-407E-A947-70E740481C1C}">
+                <a14:useLocalDpi xmlns:a14="http://schemas.microsoft.com/office/drawing/2010/main" val="0"/>
+              </a:ext>
+            </a:extLst>
+          </a:blip>
+          <a:srcRect/>
+          <a:stretch>
+            <a:fillRect/>
+          </a:stretch>
+        </p:blipFill>
+        <p:spPr bwMode="auto">
+          <a:xfrm>
+            <a:off x="457200" y="212726"/>
+            <a:ext cx="8229600" cy="6143625"/>
+          </a:xfrm>
+          <a:prstGeom prst="rect">
+            <a:avLst/>
+          </a:prstGeom>
+          <a:noFill/>
+          <a:extLst>
+            <a:ext uri="{909E8E84-426E-40DD-AFC4-6F175D3DCCD1}">
+              <a14:hiddenFill xmlns:a14="http://schemas.microsoft.com/office/drawing/2010/main">
+                <a:solidFill>
+                  <a:srgbClr val="FFFFFF"/>
+                </a:solidFill>
+              </a14:hiddenFill>
+            </a:ext>
+          </a:extLst>
+        </p:spPr>
+      </p:pic>
+    </p:spTree>
+    <p:extLst>
+      <p:ext uri="{BB962C8B-B14F-4D97-AF65-F5344CB8AC3E}">
+        <p14:creationId xmlns:p14="http://schemas.microsoft.com/office/powerpoint/2010/main" val="902842189"/>
       </p:ext>
     </p:extLst>
   </p:cSld>
